--- a/media/products/Logo Designs.pptx
+++ b/media/products/Logo Designs.pptx
@@ -3878,65 +3878,286 @@
           </a:p>
         </p:txBody>
       </p:sp>
-      <p:pic>
-        <p:nvPicPr>
-          <p:cNvPr id="11" name="Picture 10" descr="A black and white silhouette of a high heeled shoe&#10;&#10;Description automatically generated with medium confidence">
-            <a:extLst>
-              <a:ext uri="{FF2B5EF4-FFF2-40B4-BE49-F238E27FC236}">
-                <a16:creationId xmlns:a16="http://schemas.microsoft.com/office/drawing/2014/main" id="{4D6D55B4-8138-414C-B66F-2F9DE2D78E05}"/>
-              </a:ext>
-            </a:extLst>
-          </p:cNvPr>
-          <p:cNvPicPr>
-            <a:picLocks noChangeAspect="1"/>
-          </p:cNvPicPr>
+      <p:grpSp>
+        <p:nvGrpSpPr>
+          <p:cNvPr id="93" name="Group 92">
+            <a:extLst>
+              <a:ext uri="{FF2B5EF4-FFF2-40B4-BE49-F238E27FC236}">
+                <a16:creationId xmlns:a16="http://schemas.microsoft.com/office/drawing/2014/main" id="{DC29AEA1-F79E-4D19-4BEB-FA3D7E670D1E}"/>
+              </a:ext>
+            </a:extLst>
+          </p:cNvPr>
+          <p:cNvGrpSpPr/>
           <p:nvPr/>
-        </p:nvPicPr>
-        <p:blipFill>
-          <a:blip r:embed="rId2"/>
-          <a:stretch>
-            <a:fillRect/>
-          </a:stretch>
-        </p:blipFill>
-        <p:spPr>
-          <a:xfrm rot="618874">
-            <a:off x="4667250" y="1744231"/>
-            <a:ext cx="2857500" cy="2857500"/>
+        </p:nvGrpSpPr>
+        <p:grpSpPr>
+          <a:xfrm>
+            <a:off x="2528139" y="1201175"/>
+            <a:ext cx="7059952" cy="4049486"/>
+            <a:chOff x="1973943" y="1139377"/>
+            <a:chExt cx="7059952" cy="4049486"/>
           </a:xfrm>
-          <a:prstGeom prst="rect">
-            <a:avLst/>
-          </a:prstGeom>
-        </p:spPr>
-      </p:pic>
-      <p:pic>
-        <p:nvPicPr>
-          <p:cNvPr id="19" name="Picture 18" descr="A black wings on a white background&#10;&#10;Description automatically generated with low confidence">
-            <a:extLst>
-              <a:ext uri="{FF2B5EF4-FFF2-40B4-BE49-F238E27FC236}">
-                <a16:creationId xmlns:a16="http://schemas.microsoft.com/office/drawing/2014/main" id="{B219364A-09A3-5358-FD0B-13EF1B2BC157}"/>
-              </a:ext>
-            </a:extLst>
-          </p:cNvPr>
-          <p:cNvPicPr>
-            <a:picLocks noChangeAspect="1"/>
-          </p:cNvPicPr>
-          <p:nvPr/>
-        </p:nvPicPr>
-        <p:blipFill rotWithShape="1">
-          <a:blip r:embed="rId3"/>
-          <a:srcRect t="14507" r="51984" b="20504"/>
-          <a:stretch/>
-        </p:blipFill>
-        <p:spPr>
-          <a:xfrm rot="19671480">
-            <a:off x="2993212" y="977276"/>
-            <a:ext cx="1874794" cy="1900713"/>
-          </a:xfrm>
-          <a:prstGeom prst="rect">
-            <a:avLst/>
-          </a:prstGeom>
-        </p:spPr>
-      </p:pic>
+        </p:grpSpPr>
+        <p:pic>
+          <p:nvPicPr>
+            <p:cNvPr id="24" name="Picture 23" descr="A black and white logo of a shoe with wings&#10;&#10;Description automatically generated with low confidence">
+              <a:extLst>
+                <a:ext uri="{FF2B5EF4-FFF2-40B4-BE49-F238E27FC236}">
+                  <a16:creationId xmlns:a16="http://schemas.microsoft.com/office/drawing/2014/main" id="{7D931871-4042-5500-BF82-96CC443CDCCC}"/>
+                </a:ext>
+              </a:extLst>
+            </p:cNvPr>
+            <p:cNvPicPr>
+              <a:picLocks noChangeAspect="1"/>
+            </p:cNvPicPr>
+            <p:nvPr/>
+          </p:nvPicPr>
+          <p:blipFill rotWithShape="1">
+            <a:blip r:embed="rId2"/>
+            <a:srcRect b="12402"/>
+            <a:stretch/>
+          </p:blipFill>
+          <p:spPr>
+            <a:xfrm>
+              <a:off x="3191895" y="1139377"/>
+              <a:ext cx="5842000" cy="4049486"/>
+            </a:xfrm>
+            <a:prstGeom prst="rect">
+              <a:avLst/>
+            </a:prstGeom>
+          </p:spPr>
+        </p:pic>
+        <p:cxnSp>
+          <p:nvCxnSpPr>
+            <p:cNvPr id="40" name="Straight Connector 39">
+              <a:extLst>
+                <a:ext uri="{FF2B5EF4-FFF2-40B4-BE49-F238E27FC236}">
+                  <a16:creationId xmlns:a16="http://schemas.microsoft.com/office/drawing/2014/main" id="{23F327A7-A943-E3A0-F738-A0FA5AAA37A7}"/>
+                </a:ext>
+              </a:extLst>
+            </p:cNvPr>
+            <p:cNvCxnSpPr>
+              <a:cxnSpLocks/>
+            </p:cNvCxnSpPr>
+            <p:nvPr/>
+          </p:nvCxnSpPr>
+          <p:spPr>
+            <a:xfrm>
+              <a:off x="2423328" y="2467437"/>
+              <a:ext cx="954844" cy="0"/>
+            </a:xfrm>
+            <a:prstGeom prst="line">
+              <a:avLst/>
+            </a:prstGeom>
+            <a:ln w="88900" cap="rnd">
+              <a:solidFill>
+                <a:schemeClr val="accent1">
+                  <a:lumMod val="60000"/>
+                  <a:lumOff val="40000"/>
+                </a:schemeClr>
+              </a:solidFill>
+            </a:ln>
+          </p:spPr>
+          <p:style>
+            <a:lnRef idx="1">
+              <a:schemeClr val="accent1"/>
+            </a:lnRef>
+            <a:fillRef idx="0">
+              <a:schemeClr val="accent1"/>
+            </a:fillRef>
+            <a:effectRef idx="0">
+              <a:schemeClr val="accent1"/>
+            </a:effectRef>
+            <a:fontRef idx="minor">
+              <a:schemeClr val="tx1"/>
+            </a:fontRef>
+          </p:style>
+        </p:cxnSp>
+        <p:cxnSp>
+          <p:nvCxnSpPr>
+            <p:cNvPr id="49" name="Straight Connector 48">
+              <a:extLst>
+                <a:ext uri="{FF2B5EF4-FFF2-40B4-BE49-F238E27FC236}">
+                  <a16:creationId xmlns:a16="http://schemas.microsoft.com/office/drawing/2014/main" id="{6062D2D4-0538-8740-6265-A8E9DCF9B709}"/>
+                </a:ext>
+              </a:extLst>
+            </p:cNvPr>
+            <p:cNvCxnSpPr>
+              <a:cxnSpLocks/>
+            </p:cNvCxnSpPr>
+            <p:nvPr/>
+          </p:nvCxnSpPr>
+          <p:spPr>
+            <a:xfrm flipV="1">
+              <a:off x="2162629" y="3149613"/>
+              <a:ext cx="1318196" cy="14507"/>
+            </a:xfrm>
+            <a:prstGeom prst="line">
+              <a:avLst/>
+            </a:prstGeom>
+            <a:ln w="88900" cap="rnd">
+              <a:solidFill>
+                <a:schemeClr val="accent1">
+                  <a:lumMod val="60000"/>
+                  <a:lumOff val="40000"/>
+                </a:schemeClr>
+              </a:solidFill>
+            </a:ln>
+          </p:spPr>
+          <p:style>
+            <a:lnRef idx="1">
+              <a:schemeClr val="accent1"/>
+            </a:lnRef>
+            <a:fillRef idx="0">
+              <a:schemeClr val="accent1"/>
+            </a:fillRef>
+            <a:effectRef idx="0">
+              <a:schemeClr val="accent1"/>
+            </a:effectRef>
+            <a:fontRef idx="minor">
+              <a:schemeClr val="tx1"/>
+            </a:fontRef>
+          </p:style>
+        </p:cxnSp>
+        <p:cxnSp>
+          <p:nvCxnSpPr>
+            <p:cNvPr id="50" name="Straight Connector 49">
+              <a:extLst>
+                <a:ext uri="{FF2B5EF4-FFF2-40B4-BE49-F238E27FC236}">
+                  <a16:creationId xmlns:a16="http://schemas.microsoft.com/office/drawing/2014/main" id="{796D216B-5C5E-C47A-8612-A1AA9EF626E6}"/>
+                </a:ext>
+              </a:extLst>
+            </p:cNvPr>
+            <p:cNvCxnSpPr>
+              <a:cxnSpLocks/>
+            </p:cNvCxnSpPr>
+            <p:nvPr/>
+          </p:nvCxnSpPr>
+          <p:spPr>
+            <a:xfrm>
+              <a:off x="2646783" y="4696145"/>
+              <a:ext cx="2474660" cy="0"/>
+            </a:xfrm>
+            <a:prstGeom prst="line">
+              <a:avLst/>
+            </a:prstGeom>
+            <a:ln w="88900" cap="rnd">
+              <a:solidFill>
+                <a:schemeClr val="accent1">
+                  <a:lumMod val="60000"/>
+                  <a:lumOff val="40000"/>
+                </a:schemeClr>
+              </a:solidFill>
+            </a:ln>
+          </p:spPr>
+          <p:style>
+            <a:lnRef idx="1">
+              <a:schemeClr val="accent1"/>
+            </a:lnRef>
+            <a:fillRef idx="0">
+              <a:schemeClr val="accent1"/>
+            </a:fillRef>
+            <a:effectRef idx="0">
+              <a:schemeClr val="accent1"/>
+            </a:effectRef>
+            <a:fontRef idx="minor">
+              <a:schemeClr val="tx1"/>
+            </a:fontRef>
+          </p:style>
+        </p:cxnSp>
+        <p:cxnSp>
+          <p:nvCxnSpPr>
+            <p:cNvPr id="54" name="Straight Connector 53">
+              <a:extLst>
+                <a:ext uri="{FF2B5EF4-FFF2-40B4-BE49-F238E27FC236}">
+                  <a16:creationId xmlns:a16="http://schemas.microsoft.com/office/drawing/2014/main" id="{FBC200A1-A0D5-1692-C06C-DC98EAAE24F7}"/>
+                </a:ext>
+              </a:extLst>
+            </p:cNvPr>
+            <p:cNvCxnSpPr>
+              <a:cxnSpLocks/>
+            </p:cNvCxnSpPr>
+            <p:nvPr/>
+          </p:nvCxnSpPr>
+          <p:spPr>
+            <a:xfrm>
+              <a:off x="1973943" y="3708407"/>
+              <a:ext cx="3341916" cy="0"/>
+            </a:xfrm>
+            <a:prstGeom prst="line">
+              <a:avLst/>
+            </a:prstGeom>
+            <a:ln w="88900" cap="rnd">
+              <a:solidFill>
+                <a:schemeClr val="accent1">
+                  <a:lumMod val="60000"/>
+                  <a:lumOff val="40000"/>
+                </a:schemeClr>
+              </a:solidFill>
+            </a:ln>
+          </p:spPr>
+          <p:style>
+            <a:lnRef idx="1">
+              <a:schemeClr val="accent1"/>
+            </a:lnRef>
+            <a:fillRef idx="0">
+              <a:schemeClr val="accent1"/>
+            </a:fillRef>
+            <a:effectRef idx="0">
+              <a:schemeClr val="accent1"/>
+            </a:effectRef>
+            <a:fontRef idx="minor">
+              <a:schemeClr val="tx1"/>
+            </a:fontRef>
+          </p:style>
+        </p:cxnSp>
+        <p:cxnSp>
+          <p:nvCxnSpPr>
+            <p:cNvPr id="55" name="Straight Connector 54">
+              <a:extLst>
+                <a:ext uri="{FF2B5EF4-FFF2-40B4-BE49-F238E27FC236}">
+                  <a16:creationId xmlns:a16="http://schemas.microsoft.com/office/drawing/2014/main" id="{D33288A1-3AE4-C4A9-E499-EE6C8040086A}"/>
+                </a:ext>
+              </a:extLst>
+            </p:cNvPr>
+            <p:cNvCxnSpPr>
+              <a:cxnSpLocks/>
+            </p:cNvCxnSpPr>
+            <p:nvPr/>
+          </p:nvCxnSpPr>
+          <p:spPr>
+            <a:xfrm>
+              <a:off x="2423328" y="4216406"/>
+              <a:ext cx="2878017" cy="0"/>
+            </a:xfrm>
+            <a:prstGeom prst="line">
+              <a:avLst/>
+            </a:prstGeom>
+            <a:ln w="88900" cap="rnd">
+              <a:solidFill>
+                <a:schemeClr val="accent1">
+                  <a:lumMod val="60000"/>
+                  <a:lumOff val="40000"/>
+                </a:schemeClr>
+              </a:solidFill>
+            </a:ln>
+          </p:spPr>
+          <p:style>
+            <a:lnRef idx="1">
+              <a:schemeClr val="accent1"/>
+            </a:lnRef>
+            <a:fillRef idx="0">
+              <a:schemeClr val="accent1"/>
+            </a:fillRef>
+            <a:effectRef idx="0">
+              <a:schemeClr val="accent1"/>
+            </a:effectRef>
+            <a:fontRef idx="minor">
+              <a:schemeClr val="tx1"/>
+            </a:fontRef>
+          </p:style>
+        </p:cxnSp>
+      </p:grpSp>
     </p:spTree>
     <p:extLst>
       <p:ext uri="{BB962C8B-B14F-4D97-AF65-F5344CB8AC3E}">
